--- a/191025 - NETFest @Kyiv/Azure App Service deep dive.pptx
+++ b/191025 - NETFest @Kyiv/Azure App Service deep dive.pptx
@@ -280,7 +280,7 @@
       <p15:sldGuideLst xmlns:p15="http://schemas.microsoft.com/office/powerpoint/2012/main"/>
     </p:ext>
     <p:ext uri="http://customooxmlschemas.google.com/">
-      <go:slidesCustomData xmlns="" xmlns:mc="http://schemas.openxmlformats.org/markup-compatibility/2006" xmlns:mv="urn:schemas-microsoft-com:mac:vml" xmlns:c="http://schemas.openxmlformats.org/drawingml/2006/chart" xmlns:dgm="http://schemas.openxmlformats.org/drawingml/2006/diagram" xmlns:o="urn:schemas-microsoft-com:office:office" xmlns:v="urn:schemas-microsoft-com:vml" xmlns:pvml="urn:schemas-microsoft-com:office:powerpoint" xmlns:com="http://schemas.openxmlformats.org/drawingml/2006/compatibility" xmlns:p14="http://schemas.microsoft.com/office/powerpoint/2010/main" xmlns:p15="http://schemas.microsoft.com/office/powerpoint/2012/main" xmlns:go="http://customooxmlschemas.google.com/" r:id="rId30" roundtripDataSignature="AMtx7miKpTSjtseuKdrPLKRxyI8JLPryXw=="/>
+      <go:slidesCustomData xmlns:go="http://customooxmlschemas.google.com/" xmlns:p15="http://schemas.microsoft.com/office/powerpoint/2012/main" xmlns:p14="http://schemas.microsoft.com/office/powerpoint/2010/main" xmlns:com="http://schemas.openxmlformats.org/drawingml/2006/compatibility" xmlns:pvml="urn:schemas-microsoft-com:office:powerpoint" xmlns:v="urn:schemas-microsoft-com:vml" xmlns:o="urn:schemas-microsoft-com:office:office" xmlns:dgm="http://schemas.openxmlformats.org/drawingml/2006/diagram" xmlns:c="http://schemas.openxmlformats.org/drawingml/2006/chart" xmlns:mv="urn:schemas-microsoft-com:mac:vml" xmlns:mc="http://schemas.openxmlformats.org/markup-compatibility/2006" xmlns="" r:id="rId30" roundtripDataSignature="AMtx7miKpTSjtseuKdrPLKRxyI8JLPryXw=="/>
     </p:ext>
   </p:extLst>
 </p:presentation>

--- a/191025 - NETFest @Kyiv/Azure App Service deep dive.pptx
+++ b/191025 - NETFest @Kyiv/Azure App Service deep dive.pptx
@@ -280,7 +280,7 @@
       <p15:sldGuideLst xmlns:p15="http://schemas.microsoft.com/office/powerpoint/2012/main"/>
     </p:ext>
     <p:ext uri="http://customooxmlschemas.google.com/">
-      <go:slidesCustomData xmlns:go="http://customooxmlschemas.google.com/" xmlns:p15="http://schemas.microsoft.com/office/powerpoint/2012/main" xmlns:p14="http://schemas.microsoft.com/office/powerpoint/2010/main" xmlns:com="http://schemas.openxmlformats.org/drawingml/2006/compatibility" xmlns:pvml="urn:schemas-microsoft-com:office:powerpoint" xmlns:v="urn:schemas-microsoft-com:vml" xmlns:o="urn:schemas-microsoft-com:office:office" xmlns:dgm="http://schemas.openxmlformats.org/drawingml/2006/diagram" xmlns:c="http://schemas.openxmlformats.org/drawingml/2006/chart" xmlns:mv="urn:schemas-microsoft-com:mac:vml" xmlns:mc="http://schemas.openxmlformats.org/markup-compatibility/2006" xmlns="" r:id="rId30" roundtripDataSignature="AMtx7miKpTSjtseuKdrPLKRxyI8JLPryXw=="/>
+      <go:slidesCustomData xmlns="" xmlns:mc="http://schemas.openxmlformats.org/markup-compatibility/2006" xmlns:mv="urn:schemas-microsoft-com:mac:vml" xmlns:c="http://schemas.openxmlformats.org/drawingml/2006/chart" xmlns:dgm="http://schemas.openxmlformats.org/drawingml/2006/diagram" xmlns:o="urn:schemas-microsoft-com:office:office" xmlns:v="urn:schemas-microsoft-com:vml" xmlns:pvml="urn:schemas-microsoft-com:office:powerpoint" xmlns:com="http://schemas.openxmlformats.org/drawingml/2006/compatibility" xmlns:p14="http://schemas.microsoft.com/office/powerpoint/2010/main" xmlns:p15="http://schemas.microsoft.com/office/powerpoint/2012/main" xmlns:go="http://customooxmlschemas.google.com/" r:id="rId30" roundtripDataSignature="AMtx7miKpTSjtseuKdrPLKRxyI8JLPryXw=="/>
     </p:ext>
   </p:extLst>
 </p:presentation>

--- a/191025 - NETFest @Kyiv/Azure App Service deep dive.pptx
+++ b/191025 - NETFest @Kyiv/Azure App Service deep dive.pptx
@@ -280,7 +280,7 @@
       <p15:sldGuideLst xmlns:p15="http://schemas.microsoft.com/office/powerpoint/2012/main"/>
     </p:ext>
     <p:ext uri="http://customooxmlschemas.google.com/">
-      <go:slidesCustomData xmlns="" xmlns:mc="http://schemas.openxmlformats.org/markup-compatibility/2006" xmlns:mv="urn:schemas-microsoft-com:mac:vml" xmlns:c="http://schemas.openxmlformats.org/drawingml/2006/chart" xmlns:dgm="http://schemas.openxmlformats.org/drawingml/2006/diagram" xmlns:o="urn:schemas-microsoft-com:office:office" xmlns:v="urn:schemas-microsoft-com:vml" xmlns:pvml="urn:schemas-microsoft-com:office:powerpoint" xmlns:com="http://schemas.openxmlformats.org/drawingml/2006/compatibility" xmlns:p14="http://schemas.microsoft.com/office/powerpoint/2010/main" xmlns:p15="http://schemas.microsoft.com/office/powerpoint/2012/main" xmlns:go="http://customooxmlschemas.google.com/" r:id="rId30" roundtripDataSignature="AMtx7miKpTSjtseuKdrPLKRxyI8JLPryXw=="/>
+      <go:slidesCustomData xmlns:go="http://customooxmlschemas.google.com/" xmlns:p15="http://schemas.microsoft.com/office/powerpoint/2012/main" xmlns:p14="http://schemas.microsoft.com/office/powerpoint/2010/main" xmlns:com="http://schemas.openxmlformats.org/drawingml/2006/compatibility" xmlns:pvml="urn:schemas-microsoft-com:office:powerpoint" xmlns:v="urn:schemas-microsoft-com:vml" xmlns:o="urn:schemas-microsoft-com:office:office" xmlns:dgm="http://schemas.openxmlformats.org/drawingml/2006/diagram" xmlns:c="http://schemas.openxmlformats.org/drawingml/2006/chart" xmlns:mv="urn:schemas-microsoft-com:mac:vml" xmlns:mc="http://schemas.openxmlformats.org/markup-compatibility/2006" xmlns="" r:id="rId30" roundtripDataSignature="AMtx7miKpTSjtseuKdrPLKRxyI8JLPryXw=="/>
     </p:ext>
   </p:extLst>
 </p:presentation>
@@ -9628,10 +9628,10 @@
         <a:lstStyle/>
         <a:p>
           <a:r>
-            <a:rPr lang="it-IT" dirty="0"/>
+            <a:rPr lang="it-IT" i="1" dirty="0"/>
             <a:t>App Service Environment</a:t>
           </a:r>
-          <a:endParaRPr lang="en-US" dirty="0"/>
+          <a:endParaRPr lang="en-US" i="1" dirty="0"/>
         </a:p>
       </dgm:t>
     </dgm:pt>
@@ -12748,10 +12748,10 @@
             <a:buNone/>
           </a:pPr>
           <a:r>
-            <a:rPr lang="it-IT" sz="3400" kern="1200" dirty="0"/>
+            <a:rPr lang="it-IT" sz="3400" i="1" kern="1200" dirty="0"/>
             <a:t>App Service Environment</a:t>
           </a:r>
-          <a:endParaRPr lang="en-US" sz="3400" kern="1200" dirty="0"/>
+          <a:endParaRPr lang="en-US" sz="3400" i="1" kern="1200" dirty="0"/>
         </a:p>
       </dsp:txBody>
       <dsp:txXfrm>
@@ -24733,7 +24733,16 @@
               </a:spcAft>
               <a:buNone/>
             </a:pPr>
-            <a:endParaRPr sz="1100">
+            <a:r>
+              <a:rPr lang="it-IT" sz="1100" dirty="0">
+                <a:latin typeface="Arial"/>
+                <a:ea typeface="Arial"/>
+                <a:cs typeface="Arial"/>
+                <a:sym typeface="Arial"/>
+              </a:rPr>
+              <a:t>BG replacement</a:t>
+            </a:r>
+            <a:endParaRPr sz="1100" dirty="0">
               <a:latin typeface="Arial"/>
               <a:ea typeface="Arial"/>
               <a:cs typeface="Arial"/>
@@ -25099,7 +25108,7 @@
               </a:spcAft>
               <a:buNone/>
             </a:pPr>
-            <a:endParaRPr sz="1100">
+            <a:endParaRPr sz="1100" dirty="0">
               <a:latin typeface="Arial"/>
               <a:ea typeface="Arial"/>
               <a:cs typeface="Arial"/>
@@ -33296,7 +33305,7 @@
           <p:nvPr>
             <p:extLst>
               <p:ext uri="{D42A27DB-BD31-4B8C-83A1-F6EECF244321}">
-                <p14:modId xmlns:p14="http://schemas.microsoft.com/office/powerpoint/2010/main" val="3017645600"/>
+                <p14:modId xmlns:p14="http://schemas.microsoft.com/office/powerpoint/2010/main" val="581116295"/>
               </p:ext>
             </p:extLst>
           </p:nvPr>
@@ -37855,7 +37864,7 @@
 </file>
 
 <file path=ppt/slides/slide3.xml><?xml version="1.0" encoding="utf-8"?>
-<p:sld xmlns:a="http://schemas.openxmlformats.org/drawingml/2006/main" xmlns:r="http://schemas.openxmlformats.org/officeDocument/2006/relationships" xmlns:p="http://schemas.openxmlformats.org/presentationml/2006/main">
+<p:sld xmlns:a="http://schemas.openxmlformats.org/drawingml/2006/main" xmlns:r="http://schemas.openxmlformats.org/officeDocument/2006/relationships" xmlns:p="http://schemas.openxmlformats.org/presentationml/2006/main" show="0">
   <p:cSld>
     <p:spTree>
       <p:nvGrpSpPr>
